--- a/PROYECTOMODULO2.pptx
+++ b/PROYECTOMODULO2.pptx
@@ -6,6 +6,8 @@
   </p:sldMasterIdLst>
   <p:sldIdLst>
     <p:sldId id="256" r:id="rId2"/>
+    <p:sldId id="257" r:id="rId3"/>
+    <p:sldId id="258" r:id="rId4"/>
   </p:sldIdLst>
   <p:sldSz cx="12192000" cy="6858000"/>
   <p:notesSz cx="6858000" cy="9144000"/>
@@ -104,6 +106,11 @@
       </a:defRPr>
     </a:lvl9pPr>
   </p:defaultTextStyle>
+  <p:extLst>
+    <p:ext uri="{EFAFB233-063F-42B5-8137-9DF3F51BA10A}">
+      <p15:sldGuideLst xmlns:p15="http://schemas.microsoft.com/office/powerpoint/2012/main"/>
+    </p:ext>
+  </p:extLst>
 </p:presentation>
 </file>
 
@@ -301,7 +308,7 @@
           <a:p>
             <a:fld id="{B79BB44D-4C11-4A59-82C7-147068CCE46E}" type="datetimeFigureOut">
               <a:rPr lang="es-MX" smtClean="0"/>
-              <a:t>13/11/2019</a:t>
+              <a:t>13/11/19</a:t>
             </a:fld>
             <a:endParaRPr lang="es-MX"/>
           </a:p>
@@ -355,7 +362,7 @@
           <a:p>
             <a:fld id="{B21A2D5F-838E-428C-82E2-82C7F31B9EA8}" type="slidenum">
               <a:rPr lang="es-MX" smtClean="0"/>
-              <a:t>‹Nº›</a:t>
+              <a:t>‹#›</a:t>
             </a:fld>
             <a:endParaRPr lang="es-MX"/>
           </a:p>
@@ -501,7 +508,7 @@
           <a:p>
             <a:fld id="{B79BB44D-4C11-4A59-82C7-147068CCE46E}" type="datetimeFigureOut">
               <a:rPr lang="es-MX" smtClean="0"/>
-              <a:t>13/11/2019</a:t>
+              <a:t>13/11/19</a:t>
             </a:fld>
             <a:endParaRPr lang="es-MX"/>
           </a:p>
@@ -555,7 +562,7 @@
           <a:p>
             <a:fld id="{B21A2D5F-838E-428C-82E2-82C7F31B9EA8}" type="slidenum">
               <a:rPr lang="es-MX" smtClean="0"/>
-              <a:t>‹Nº›</a:t>
+              <a:t>‹#›</a:t>
             </a:fld>
             <a:endParaRPr lang="es-MX"/>
           </a:p>
@@ -711,7 +718,7 @@
           <a:p>
             <a:fld id="{B79BB44D-4C11-4A59-82C7-147068CCE46E}" type="datetimeFigureOut">
               <a:rPr lang="es-MX" smtClean="0"/>
-              <a:t>13/11/2019</a:t>
+              <a:t>13/11/19</a:t>
             </a:fld>
             <a:endParaRPr lang="es-MX"/>
           </a:p>
@@ -765,7 +772,7 @@
           <a:p>
             <a:fld id="{B21A2D5F-838E-428C-82E2-82C7F31B9EA8}" type="slidenum">
               <a:rPr lang="es-MX" smtClean="0"/>
-              <a:t>‹Nº›</a:t>
+              <a:t>‹#›</a:t>
             </a:fld>
             <a:endParaRPr lang="es-MX"/>
           </a:p>
@@ -911,7 +918,7 @@
           <a:p>
             <a:fld id="{B79BB44D-4C11-4A59-82C7-147068CCE46E}" type="datetimeFigureOut">
               <a:rPr lang="es-MX" smtClean="0"/>
-              <a:t>13/11/2019</a:t>
+              <a:t>13/11/19</a:t>
             </a:fld>
             <a:endParaRPr lang="es-MX"/>
           </a:p>
@@ -965,7 +972,7 @@
           <a:p>
             <a:fld id="{B21A2D5F-838E-428C-82E2-82C7F31B9EA8}" type="slidenum">
               <a:rPr lang="es-MX" smtClean="0"/>
-              <a:t>‹Nº›</a:t>
+              <a:t>‹#›</a:t>
             </a:fld>
             <a:endParaRPr lang="es-MX"/>
           </a:p>
@@ -1187,7 +1194,7 @@
           <a:p>
             <a:fld id="{B79BB44D-4C11-4A59-82C7-147068CCE46E}" type="datetimeFigureOut">
               <a:rPr lang="es-MX" smtClean="0"/>
-              <a:t>13/11/2019</a:t>
+              <a:t>13/11/19</a:t>
             </a:fld>
             <a:endParaRPr lang="es-MX"/>
           </a:p>
@@ -1241,7 +1248,7 @@
           <a:p>
             <a:fld id="{B21A2D5F-838E-428C-82E2-82C7F31B9EA8}" type="slidenum">
               <a:rPr lang="es-MX" smtClean="0"/>
-              <a:t>‹Nº›</a:t>
+              <a:t>‹#›</a:t>
             </a:fld>
             <a:endParaRPr lang="es-MX"/>
           </a:p>
@@ -1455,7 +1462,7 @@
           <a:p>
             <a:fld id="{B79BB44D-4C11-4A59-82C7-147068CCE46E}" type="datetimeFigureOut">
               <a:rPr lang="es-MX" smtClean="0"/>
-              <a:t>13/11/2019</a:t>
+              <a:t>13/11/19</a:t>
             </a:fld>
             <a:endParaRPr lang="es-MX"/>
           </a:p>
@@ -1509,7 +1516,7 @@
           <a:p>
             <a:fld id="{B21A2D5F-838E-428C-82E2-82C7F31B9EA8}" type="slidenum">
               <a:rPr lang="es-MX" smtClean="0"/>
-              <a:t>‹Nº›</a:t>
+              <a:t>‹#›</a:t>
             </a:fld>
             <a:endParaRPr lang="es-MX"/>
           </a:p>
@@ -1870,7 +1877,7 @@
           <a:p>
             <a:fld id="{B79BB44D-4C11-4A59-82C7-147068CCE46E}" type="datetimeFigureOut">
               <a:rPr lang="es-MX" smtClean="0"/>
-              <a:t>13/11/2019</a:t>
+              <a:t>13/11/19</a:t>
             </a:fld>
             <a:endParaRPr lang="es-MX"/>
           </a:p>
@@ -1924,7 +1931,7 @@
           <a:p>
             <a:fld id="{B21A2D5F-838E-428C-82E2-82C7F31B9EA8}" type="slidenum">
               <a:rPr lang="es-MX" smtClean="0"/>
-              <a:t>‹Nº›</a:t>
+              <a:t>‹#›</a:t>
             </a:fld>
             <a:endParaRPr lang="es-MX"/>
           </a:p>
@@ -2012,7 +2019,7 @@
           <a:p>
             <a:fld id="{B79BB44D-4C11-4A59-82C7-147068CCE46E}" type="datetimeFigureOut">
               <a:rPr lang="es-MX" smtClean="0"/>
-              <a:t>13/11/2019</a:t>
+              <a:t>13/11/19</a:t>
             </a:fld>
             <a:endParaRPr lang="es-MX"/>
           </a:p>
@@ -2066,7 +2073,7 @@
           <a:p>
             <a:fld id="{B21A2D5F-838E-428C-82E2-82C7F31B9EA8}" type="slidenum">
               <a:rPr lang="es-MX" smtClean="0"/>
-              <a:t>‹Nº›</a:t>
+              <a:t>‹#›</a:t>
             </a:fld>
             <a:endParaRPr lang="es-MX"/>
           </a:p>
@@ -2125,7 +2132,7 @@
           <a:p>
             <a:fld id="{B79BB44D-4C11-4A59-82C7-147068CCE46E}" type="datetimeFigureOut">
               <a:rPr lang="es-MX" smtClean="0"/>
-              <a:t>13/11/2019</a:t>
+              <a:t>13/11/19</a:t>
             </a:fld>
             <a:endParaRPr lang="es-MX"/>
           </a:p>
@@ -2179,7 +2186,7 @@
           <a:p>
             <a:fld id="{B21A2D5F-838E-428C-82E2-82C7F31B9EA8}" type="slidenum">
               <a:rPr lang="es-MX" smtClean="0"/>
-              <a:t>‹Nº›</a:t>
+              <a:t>‹#›</a:t>
             </a:fld>
             <a:endParaRPr lang="es-MX"/>
           </a:p>
@@ -2438,7 +2445,7 @@
           <a:p>
             <a:fld id="{B79BB44D-4C11-4A59-82C7-147068CCE46E}" type="datetimeFigureOut">
               <a:rPr lang="es-MX" smtClean="0"/>
-              <a:t>13/11/2019</a:t>
+              <a:t>13/11/19</a:t>
             </a:fld>
             <a:endParaRPr lang="es-MX"/>
           </a:p>
@@ -2492,7 +2499,7 @@
           <a:p>
             <a:fld id="{B21A2D5F-838E-428C-82E2-82C7F31B9EA8}" type="slidenum">
               <a:rPr lang="es-MX" smtClean="0"/>
-              <a:t>‹Nº›</a:t>
+              <a:t>‹#›</a:t>
             </a:fld>
             <a:endParaRPr lang="es-MX"/>
           </a:p>
@@ -2727,7 +2734,7 @@
           <a:p>
             <a:fld id="{B79BB44D-4C11-4A59-82C7-147068CCE46E}" type="datetimeFigureOut">
               <a:rPr lang="es-MX" smtClean="0"/>
-              <a:t>13/11/2019</a:t>
+              <a:t>13/11/19</a:t>
             </a:fld>
             <a:endParaRPr lang="es-MX"/>
           </a:p>
@@ -2781,7 +2788,7 @@
           <a:p>
             <a:fld id="{B21A2D5F-838E-428C-82E2-82C7F31B9EA8}" type="slidenum">
               <a:rPr lang="es-MX" smtClean="0"/>
-              <a:t>‹Nº›</a:t>
+              <a:t>‹#›</a:t>
             </a:fld>
             <a:endParaRPr lang="es-MX"/>
           </a:p>
@@ -2970,7 +2977,7 @@
           <a:p>
             <a:fld id="{B79BB44D-4C11-4A59-82C7-147068CCE46E}" type="datetimeFigureOut">
               <a:rPr lang="es-MX" smtClean="0"/>
-              <a:t>13/11/2019</a:t>
+              <a:t>13/11/19</a:t>
             </a:fld>
             <a:endParaRPr lang="es-MX"/>
           </a:p>
@@ -3060,7 +3067,7 @@
           <a:p>
             <a:fld id="{B21A2D5F-838E-428C-82E2-82C7F31B9EA8}" type="slidenum">
               <a:rPr lang="es-MX" smtClean="0"/>
-              <a:t>‹Nº›</a:t>
+              <a:t>‹#›</a:t>
             </a:fld>
             <a:endParaRPr lang="es-MX"/>
           </a:p>
@@ -3462,6 +3469,1774 @@
 </p:sld>
 </file>
 
+<file path=ppt/slides/slide2.xml><?xml version="1.0" encoding="utf-8"?>
+<p:sld xmlns:a="http://schemas.openxmlformats.org/drawingml/2006/main" xmlns:r="http://schemas.openxmlformats.org/officeDocument/2006/relationships" xmlns:p="http://schemas.openxmlformats.org/presentationml/2006/main">
+  <p:cSld>
+    <p:bg>
+      <p:bgPr>
+        <a:solidFill>
+          <a:schemeClr val="tx1"/>
+        </a:solidFill>
+        <a:effectLst/>
+      </p:bgPr>
+    </p:bg>
+    <p:spTree>
+      <p:nvGrpSpPr>
+        <p:cNvPr id="1" name=""/>
+        <p:cNvGrpSpPr/>
+        <p:nvPr/>
+      </p:nvGrpSpPr>
+      <p:grpSpPr>
+        <a:xfrm>
+          <a:off x="0" y="0"/>
+          <a:ext cx="0" cy="0"/>
+          <a:chOff x="0" y="0"/>
+          <a:chExt cx="0" cy="0"/>
+        </a:xfrm>
+      </p:grpSpPr>
+      <p:sp>
+        <p:nvSpPr>
+          <p:cNvPr id="9" name="Rectangle 8">
+            <a:extLst>
+              <a:ext uri="{FF2B5EF4-FFF2-40B4-BE49-F238E27FC236}">
+                <a16:creationId xmlns:a16="http://schemas.microsoft.com/office/drawing/2014/main" id="{867D4867-5BA7-4462-B2F6-A23F4A622AA7}"/>
+              </a:ext>
+              <a:ext uri="{C183D7F6-B498-43B3-948B-1728B52AA6E4}">
+                <adec:decorative xmlns:adec="http://schemas.microsoft.com/office/drawing/2017/decorative" val="1"/>
+              </a:ext>
+            </a:extLst>
+          </p:cNvPr>
+          <p:cNvSpPr>
+            <a:spLocks noGrp="1" noRot="1" noChangeAspect="1" noMove="1" noResize="1" noEditPoints="1" noAdjustHandles="1" noChangeArrowheads="1" noChangeShapeType="1" noTextEdit="1"/>
+          </p:cNvSpPr>
+          <p:nvPr>
+            <p:extLst>
+              <p:ext uri="{386F3935-93C4-4BCD-93E2-E3B085C9AB24}">
+                <p16:designElem xmlns:p16="http://schemas.microsoft.com/office/powerpoint/2015/main" val="1"/>
+              </p:ext>
+            </p:extLst>
+          </p:nvPr>
+        </p:nvSpPr>
+        <p:spPr>
+          <a:xfrm>
+            <a:off x="0" y="0"/>
+            <a:ext cx="4654296" cy="6858000"/>
+          </a:xfrm>
+          <a:prstGeom prst="rect">
+            <a:avLst/>
+          </a:prstGeom>
+          <a:solidFill>
+            <a:srgbClr val="3F3F3F"/>
+          </a:solidFill>
+          <a:ln>
+            <a:noFill/>
+          </a:ln>
+        </p:spPr>
+        <p:style>
+          <a:lnRef idx="0">
+            <a:scrgbClr r="0" g="0" b="0"/>
+          </a:lnRef>
+          <a:fillRef idx="0">
+            <a:scrgbClr r="0" g="0" b="0"/>
+          </a:fillRef>
+          <a:effectRef idx="0">
+            <a:scrgbClr r="0" g="0" b="0"/>
+          </a:effectRef>
+          <a:fontRef idx="minor">
+            <a:schemeClr val="lt1"/>
+          </a:fontRef>
+        </p:style>
+        <p:txBody>
+          <a:bodyPr rtlCol="0" anchor="ctr"/>
+          <a:lstStyle/>
+          <a:p>
+            <a:pPr algn="ctr"/>
+            <a:endParaRPr lang="en-US" dirty="0"/>
+          </a:p>
+        </p:txBody>
+      </p:sp>
+      <p:sp>
+        <p:nvSpPr>
+          <p:cNvPr id="2" name="Title 1">
+            <a:extLst>
+              <a:ext uri="{FF2B5EF4-FFF2-40B4-BE49-F238E27FC236}">
+                <a16:creationId xmlns:a16="http://schemas.microsoft.com/office/drawing/2014/main" id="{03E2DB97-09D8-814E-B503-FC764C3C0F63}"/>
+              </a:ext>
+            </a:extLst>
+          </p:cNvPr>
+          <p:cNvSpPr>
+            <a:spLocks noGrp="1"/>
+          </p:cNvSpPr>
+          <p:nvPr>
+            <p:ph type="title"/>
+          </p:nvPr>
+        </p:nvSpPr>
+        <p:spPr>
+          <a:xfrm>
+            <a:off x="643468" y="623392"/>
+            <a:ext cx="3363974" cy="1607060"/>
+          </a:xfrm>
+          <a:noFill/>
+          <a:ln w="19050">
+            <a:solidFill>
+              <a:schemeClr val="tx1"/>
+            </a:solidFill>
+          </a:ln>
+        </p:spPr>
+        <p:txBody>
+          <a:bodyPr vert="horz" wrap="square" lIns="91440" tIns="45720" rIns="91440" bIns="45720" rtlCol="0" anchor="ctr">
+            <a:normAutofit/>
+          </a:bodyPr>
+          <a:lstStyle/>
+          <a:p>
+            <a:pPr algn="ctr"/>
+            <a:r>
+              <a:rPr lang="en-US" sz="2800" kern="1200">
+                <a:solidFill>
+                  <a:schemeClr val="tx1"/>
+                </a:solidFill>
+                <a:latin typeface="+mj-lt"/>
+                <a:ea typeface="+mj-ea"/>
+                <a:cs typeface="+mj-cs"/>
+              </a:rPr>
+              <a:t>Introducción</a:t>
+            </a:r>
+          </a:p>
+        </p:txBody>
+      </p:sp>
+      <p:sp>
+        <p:nvSpPr>
+          <p:cNvPr id="3" name="TextBox 2">
+            <a:extLst>
+              <a:ext uri="{FF2B5EF4-FFF2-40B4-BE49-F238E27FC236}">
+                <a16:creationId xmlns:a16="http://schemas.microsoft.com/office/drawing/2014/main" id="{15098E5F-5852-EC4C-AE28-ED3A35DD03B2}"/>
+              </a:ext>
+            </a:extLst>
+          </p:cNvPr>
+          <p:cNvSpPr txBox="1"/>
+          <p:nvPr/>
+        </p:nvSpPr>
+        <p:spPr>
+          <a:xfrm>
+            <a:off x="809723" y="2916189"/>
+            <a:ext cx="2404532" cy="2624666"/>
+          </a:xfrm>
+          <a:prstGeom prst="rect">
+            <a:avLst/>
+          </a:prstGeom>
+        </p:spPr>
+        <p:txBody>
+          <a:bodyPr vert="horz" lIns="91440" tIns="45720" rIns="91440" bIns="45720" rtlCol="0">
+            <a:normAutofit fontScale="85000" lnSpcReduction="20000"/>
+          </a:bodyPr>
+          <a:lstStyle/>
+          <a:p>
+            <a:pPr indent="-228600" algn="ctr">
+              <a:lnSpc>
+                <a:spcPct val="90000"/>
+              </a:lnSpc>
+              <a:spcAft>
+                <a:spcPts val="600"/>
+              </a:spcAft>
+              <a:buFont typeface="Arial" panose="020B0604020202020204" pitchFamily="34" charset="0"/>
+              <a:buChar char="•"/>
+            </a:pPr>
+            <a:r>
+              <a:rPr lang="en-US" sz="2000" dirty="0" err="1"/>
+              <a:t>En</a:t>
+            </a:r>
+            <a:r>
+              <a:rPr lang="en-US" sz="2000" dirty="0"/>
+              <a:t> </a:t>
+            </a:r>
+            <a:r>
+              <a:rPr lang="en-US" sz="2000" dirty="0" err="1"/>
+              <a:t>este</a:t>
+            </a:r>
+            <a:r>
+              <a:rPr lang="en-US" sz="2000" dirty="0"/>
+              <a:t> </a:t>
+            </a:r>
+            <a:r>
+              <a:rPr lang="en-US" sz="2000" dirty="0" err="1"/>
+              <a:t>proyecto</a:t>
+            </a:r>
+            <a:r>
+              <a:rPr lang="en-US" sz="2000" dirty="0"/>
+              <a:t>, </a:t>
+            </a:r>
+            <a:r>
+              <a:rPr lang="en-US" sz="2000" dirty="0" err="1"/>
+              <a:t>analizaremos</a:t>
+            </a:r>
+            <a:r>
+              <a:rPr lang="en-US" sz="2000" dirty="0"/>
+              <a:t> el </a:t>
+            </a:r>
+            <a:r>
+              <a:rPr lang="en-US" sz="2000" dirty="0" err="1"/>
+              <a:t>comportamiento</a:t>
+            </a:r>
+            <a:r>
+              <a:rPr lang="en-US" sz="2000" dirty="0"/>
+              <a:t> de </a:t>
+            </a:r>
+            <a:r>
+              <a:rPr lang="en-US" sz="2000" dirty="0" err="1"/>
+              <a:t>una</a:t>
+            </a:r>
+            <a:r>
+              <a:rPr lang="en-US" sz="2000" dirty="0"/>
+              <a:t> </a:t>
+            </a:r>
+            <a:r>
+              <a:rPr lang="en-US" sz="2000" dirty="0" err="1"/>
+              <a:t>máquina</a:t>
+            </a:r>
+            <a:r>
+              <a:rPr lang="en-US" sz="2000" dirty="0"/>
+              <a:t> </a:t>
+            </a:r>
+            <a:r>
+              <a:rPr lang="en-US" sz="2000" dirty="0" err="1"/>
+              <a:t>tragamonedas</a:t>
+            </a:r>
+            <a:r>
+              <a:rPr lang="en-US" sz="2000" dirty="0"/>
+              <a:t>, la que se </a:t>
+            </a:r>
+            <a:r>
+              <a:rPr lang="en-US" sz="2000" dirty="0" err="1"/>
+              <a:t>usa</a:t>
+            </a:r>
+            <a:r>
+              <a:rPr lang="en-US" sz="2000" dirty="0"/>
+              <a:t> </a:t>
+            </a:r>
+            <a:r>
+              <a:rPr lang="en-US" sz="2000" dirty="0" err="1"/>
+              <a:t>en</a:t>
+            </a:r>
+            <a:r>
+              <a:rPr lang="en-US" sz="2000" dirty="0"/>
+              <a:t> </a:t>
+            </a:r>
+            <a:r>
+              <a:rPr lang="en-US" sz="2000" dirty="0" err="1"/>
+              <a:t>los</a:t>
+            </a:r>
+            <a:r>
+              <a:rPr lang="en-US" sz="2000" dirty="0"/>
+              <a:t> casinos, </a:t>
+            </a:r>
+            <a:r>
+              <a:rPr lang="en-US" sz="2000" dirty="0" err="1"/>
+              <a:t>en</a:t>
+            </a:r>
+            <a:r>
+              <a:rPr lang="en-US" sz="2000" dirty="0"/>
+              <a:t> </a:t>
+            </a:r>
+            <a:r>
+              <a:rPr lang="en-US" sz="2000" dirty="0" err="1"/>
+              <a:t>donde</a:t>
+            </a:r>
+            <a:r>
+              <a:rPr lang="en-US" sz="2000" dirty="0"/>
+              <a:t> </a:t>
+            </a:r>
+            <a:r>
+              <a:rPr lang="en-US" sz="2000" dirty="0" err="1"/>
+              <a:t>existen</a:t>
+            </a:r>
+            <a:r>
+              <a:rPr lang="en-US" sz="2000" dirty="0"/>
+              <a:t> </a:t>
+            </a:r>
+            <a:r>
+              <a:rPr lang="en-US" sz="2000" dirty="0" err="1"/>
+              <a:t>cierto</a:t>
+            </a:r>
+            <a:r>
+              <a:rPr lang="en-US" sz="2000" dirty="0"/>
+              <a:t> </a:t>
+            </a:r>
+            <a:r>
+              <a:rPr lang="en-US" sz="2000" dirty="0" err="1"/>
+              <a:t>número</a:t>
+            </a:r>
+            <a:r>
+              <a:rPr lang="en-US" sz="2000" dirty="0"/>
+              <a:t> de </a:t>
+            </a:r>
+            <a:r>
+              <a:rPr lang="en-US" sz="2000" dirty="0" err="1"/>
+              <a:t>combinaciones</a:t>
+            </a:r>
+            <a:r>
+              <a:rPr lang="en-US" sz="2000" dirty="0"/>
+              <a:t> para </a:t>
+            </a:r>
+            <a:r>
+              <a:rPr lang="en-US" sz="2000" dirty="0" err="1"/>
+              <a:t>ganar</a:t>
+            </a:r>
+            <a:r>
+              <a:rPr lang="en-US" sz="2000" dirty="0"/>
+              <a:t>, de </a:t>
+            </a:r>
+            <a:r>
+              <a:rPr lang="en-US" sz="2000" dirty="0" err="1"/>
+              <a:t>los</a:t>
+            </a:r>
+            <a:r>
+              <a:rPr lang="en-US" sz="2000" dirty="0"/>
+              <a:t> </a:t>
+            </a:r>
+            <a:r>
+              <a:rPr lang="en-US" sz="2000" dirty="0" err="1"/>
+              <a:t>cuales</a:t>
+            </a:r>
+            <a:r>
+              <a:rPr lang="en-US" sz="2000" dirty="0"/>
+              <a:t> </a:t>
+            </a:r>
+            <a:r>
+              <a:rPr lang="en-US" sz="2000" dirty="0" err="1"/>
+              <a:t>decidimos</a:t>
+            </a:r>
+            <a:r>
+              <a:rPr lang="en-US" sz="2000" dirty="0"/>
+              <a:t> </a:t>
+            </a:r>
+            <a:r>
+              <a:rPr lang="en-US" sz="2000" dirty="0" err="1"/>
+              <a:t>diseñar</a:t>
+            </a:r>
+            <a:r>
+              <a:rPr lang="en-US" sz="2000" dirty="0"/>
+              <a:t>, el </a:t>
+            </a:r>
+            <a:r>
+              <a:rPr lang="en-US" sz="2000" dirty="0" err="1"/>
+              <a:t>diseño</a:t>
+            </a:r>
+            <a:r>
+              <a:rPr lang="en-US" sz="2000" dirty="0"/>
+              <a:t> de </a:t>
+            </a:r>
+            <a:r>
+              <a:rPr lang="en-US" sz="2000" dirty="0" err="1"/>
+              <a:t>estos</a:t>
+            </a:r>
+            <a:r>
+              <a:rPr lang="en-US" sz="2000" dirty="0"/>
+              <a:t> son </a:t>
+            </a:r>
+            <a:r>
+              <a:rPr lang="en-US" sz="2000" dirty="0" err="1"/>
+              <a:t>los</a:t>
+            </a:r>
+            <a:r>
+              <a:rPr lang="en-US" sz="2000" dirty="0"/>
+              <a:t> </a:t>
+            </a:r>
+            <a:r>
+              <a:rPr lang="en-US" sz="2000" dirty="0" err="1"/>
+              <a:t>siguientes</a:t>
+            </a:r>
+            <a:r>
+              <a:rPr lang="en-US" sz="2000" dirty="0"/>
+              <a:t>:</a:t>
+            </a:r>
+          </a:p>
+          <a:p>
+            <a:pPr indent="-228600" algn="ctr">
+              <a:lnSpc>
+                <a:spcPct val="90000"/>
+              </a:lnSpc>
+              <a:spcAft>
+                <a:spcPts val="600"/>
+              </a:spcAft>
+              <a:buFont typeface="Arial" panose="020B0604020202020204" pitchFamily="34" charset="0"/>
+              <a:buChar char="•"/>
+            </a:pPr>
+            <a:endParaRPr lang="en-US" sz="2000" dirty="0"/>
+          </a:p>
+        </p:txBody>
+      </p:sp>
+      <p:grpSp>
+        <p:nvGrpSpPr>
+          <p:cNvPr id="6" name="Group 5">
+            <a:extLst>
+              <a:ext uri="{FF2B5EF4-FFF2-40B4-BE49-F238E27FC236}">
+                <a16:creationId xmlns:a16="http://schemas.microsoft.com/office/drawing/2014/main" id="{D92C8BF4-B955-A444-B8AF-F04028FEBD0B}"/>
+              </a:ext>
+            </a:extLst>
+          </p:cNvPr>
+          <p:cNvGrpSpPr/>
+          <p:nvPr/>
+        </p:nvGrpSpPr>
+        <p:grpSpPr>
+          <a:xfrm>
+            <a:off x="5495823" y="208201"/>
+            <a:ext cx="6052709" cy="2022251"/>
+            <a:chOff x="5592196" y="535637"/>
+            <a:chExt cx="5314755" cy="1310501"/>
+          </a:xfrm>
+        </p:grpSpPr>
+        <p:pic>
+          <p:nvPicPr>
+            <p:cNvPr id="4" name="Picture 3">
+              <a:extLst>
+                <a:ext uri="{FF2B5EF4-FFF2-40B4-BE49-F238E27FC236}">
+                  <a16:creationId xmlns:a16="http://schemas.microsoft.com/office/drawing/2014/main" id="{8076C93C-E0FB-D24D-AF92-D08BB8D67EC5}"/>
+                </a:ext>
+              </a:extLst>
+            </p:cNvPr>
+            <p:cNvPicPr>
+              <a:picLocks noChangeAspect="1"/>
+            </p:cNvPicPr>
+            <p:nvPr/>
+          </p:nvPicPr>
+          <p:blipFill rotWithShape="1">
+            <a:blip r:embed="rId2"/>
+            <a:srcRect l="28342" t="74164" r="3932" b="6183"/>
+            <a:stretch/>
+          </p:blipFill>
+          <p:spPr>
+            <a:xfrm>
+              <a:off x="5592196" y="535637"/>
+              <a:ext cx="3664191" cy="1063256"/>
+            </a:xfrm>
+            <a:prstGeom prst="rect">
+              <a:avLst/>
+            </a:prstGeom>
+          </p:spPr>
+        </p:pic>
+        <p:pic>
+          <p:nvPicPr>
+            <p:cNvPr id="5" name="Picture 4">
+              <a:extLst>
+                <a:ext uri="{FF2B5EF4-FFF2-40B4-BE49-F238E27FC236}">
+                  <a16:creationId xmlns:a16="http://schemas.microsoft.com/office/drawing/2014/main" id="{87825DE7-AA53-F74F-A2D6-3BFF39CA3E3B}"/>
+                </a:ext>
+              </a:extLst>
+            </p:cNvPr>
+            <p:cNvPicPr>
+              <a:picLocks noChangeAspect="1"/>
+            </p:cNvPicPr>
+            <p:nvPr/>
+          </p:nvPicPr>
+          <p:blipFill rotWithShape="1">
+            <a:blip r:embed="rId2"/>
+            <a:srcRect l="73669" t="53023" r="2263" b="28559"/>
+            <a:stretch/>
+          </p:blipFill>
+          <p:spPr>
+            <a:xfrm>
+              <a:off x="9256387" y="583021"/>
+              <a:ext cx="1650564" cy="1263117"/>
+            </a:xfrm>
+            <a:prstGeom prst="rect">
+              <a:avLst/>
+            </a:prstGeom>
+          </p:spPr>
+        </p:pic>
+      </p:grpSp>
+      <p:pic>
+        <p:nvPicPr>
+          <p:cNvPr id="7" name="Picture 6">
+            <a:extLst>
+              <a:ext uri="{FF2B5EF4-FFF2-40B4-BE49-F238E27FC236}">
+                <a16:creationId xmlns:a16="http://schemas.microsoft.com/office/drawing/2014/main" id="{99835339-07A1-9F48-B537-9F3C81ADB002}"/>
+              </a:ext>
+            </a:extLst>
+          </p:cNvPr>
+          <p:cNvPicPr>
+            <a:picLocks noChangeAspect="1"/>
+          </p:cNvPicPr>
+          <p:nvPr/>
+        </p:nvPicPr>
+        <p:blipFill rotWithShape="1">
+          <a:blip r:embed="rId3"/>
+          <a:srcRect l="21753" t="32549" r="38369" b="32751"/>
+          <a:stretch/>
+        </p:blipFill>
+        <p:spPr>
+          <a:xfrm>
+            <a:off x="4973527" y="2400553"/>
+            <a:ext cx="6871142" cy="3357491"/>
+          </a:xfrm>
+          <a:prstGeom prst="rect">
+            <a:avLst/>
+          </a:prstGeom>
+        </p:spPr>
+      </p:pic>
+    </p:spTree>
+    <p:extLst>
+      <p:ext uri="{BB962C8B-B14F-4D97-AF65-F5344CB8AC3E}">
+        <p14:creationId xmlns:p14="http://schemas.microsoft.com/office/powerpoint/2010/main" val="3486128968"/>
+      </p:ext>
+    </p:extLst>
+  </p:cSld>
+  <p:clrMapOvr>
+    <a:overrideClrMapping bg1="dk1" tx1="lt1" bg2="dk2" tx2="lt2" accent1="accent1" accent2="accent2" accent3="accent3" accent4="accent4" accent5="accent5" accent6="accent6" hlink="hlink" folHlink="folHlink"/>
+  </p:clrMapOvr>
+</p:sld>
+</file>
+
+<file path=ppt/slides/slide3.xml><?xml version="1.0" encoding="utf-8"?>
+<p:sld xmlns:a="http://schemas.openxmlformats.org/drawingml/2006/main" xmlns:r="http://schemas.openxmlformats.org/officeDocument/2006/relationships" xmlns:p="http://schemas.openxmlformats.org/presentationml/2006/main">
+  <p:cSld>
+    <p:spTree>
+      <p:nvGrpSpPr>
+        <p:cNvPr id="1" name=""/>
+        <p:cNvGrpSpPr/>
+        <p:nvPr/>
+      </p:nvGrpSpPr>
+      <p:grpSpPr>
+        <a:xfrm>
+          <a:off x="0" y="0"/>
+          <a:ext cx="0" cy="0"/>
+          <a:chOff x="0" y="0"/>
+          <a:chExt cx="0" cy="0"/>
+        </a:xfrm>
+      </p:grpSpPr>
+      <p:pic>
+        <p:nvPicPr>
+          <p:cNvPr id="2" name="Picture 1">
+            <a:extLst>
+              <a:ext uri="{FF2B5EF4-FFF2-40B4-BE49-F238E27FC236}">
+                <a16:creationId xmlns:a16="http://schemas.microsoft.com/office/drawing/2014/main" id="{2523ABF9-9872-7642-BB3A-5F1F89828C2B}"/>
+              </a:ext>
+            </a:extLst>
+          </p:cNvPr>
+          <p:cNvPicPr>
+            <a:picLocks noChangeAspect="1"/>
+          </p:cNvPicPr>
+          <p:nvPr/>
+        </p:nvPicPr>
+        <p:blipFill rotWithShape="1">
+          <a:blip r:embed="rId2"/>
+          <a:srcRect l="21753" t="32549" r="38369" b="32751"/>
+          <a:stretch/>
+        </p:blipFill>
+        <p:spPr>
+          <a:xfrm>
+            <a:off x="800596" y="642331"/>
+            <a:ext cx="3452427" cy="1686982"/>
+          </a:xfrm>
+          <a:prstGeom prst="rect">
+            <a:avLst/>
+          </a:prstGeom>
+        </p:spPr>
+      </p:pic>
+      <p:pic>
+        <p:nvPicPr>
+          <p:cNvPr id="3" name="Picture 2">
+            <a:extLst>
+              <a:ext uri="{FF2B5EF4-FFF2-40B4-BE49-F238E27FC236}">
+                <a16:creationId xmlns:a16="http://schemas.microsoft.com/office/drawing/2014/main" id="{1146623D-3C7F-C141-9607-26F9303DD6F7}"/>
+              </a:ext>
+            </a:extLst>
+          </p:cNvPr>
+          <p:cNvPicPr>
+            <a:picLocks noChangeAspect="1"/>
+          </p:cNvPicPr>
+          <p:nvPr/>
+        </p:nvPicPr>
+        <p:blipFill rotWithShape="1">
+          <a:blip r:embed="rId2"/>
+          <a:srcRect l="21753" t="32549" r="38369" b="32751"/>
+          <a:stretch/>
+        </p:blipFill>
+        <p:spPr>
+          <a:xfrm>
+            <a:off x="800596" y="4818886"/>
+            <a:ext cx="3452428" cy="1686982"/>
+          </a:xfrm>
+          <a:prstGeom prst="rect">
+            <a:avLst/>
+          </a:prstGeom>
+        </p:spPr>
+      </p:pic>
+      <p:pic>
+        <p:nvPicPr>
+          <p:cNvPr id="6" name="Picture 5">
+            <a:extLst>
+              <a:ext uri="{FF2B5EF4-FFF2-40B4-BE49-F238E27FC236}">
+                <a16:creationId xmlns:a16="http://schemas.microsoft.com/office/drawing/2014/main" id="{28102235-B9F7-2D42-9BD9-2D461B4BBC00}"/>
+              </a:ext>
+            </a:extLst>
+          </p:cNvPr>
+          <p:cNvPicPr>
+            <a:picLocks noChangeAspect="1"/>
+          </p:cNvPicPr>
+          <p:nvPr/>
+        </p:nvPicPr>
+        <p:blipFill rotWithShape="1">
+          <a:blip r:embed="rId2"/>
+          <a:srcRect l="21753" t="32549" r="38369" b="32751"/>
+          <a:stretch/>
+        </p:blipFill>
+        <p:spPr>
+          <a:xfrm>
+            <a:off x="800596" y="2689045"/>
+            <a:ext cx="3452427" cy="1686982"/>
+          </a:xfrm>
+          <a:prstGeom prst="rect">
+            <a:avLst/>
+          </a:prstGeom>
+        </p:spPr>
+      </p:pic>
+      <p:pic>
+        <p:nvPicPr>
+          <p:cNvPr id="8" name="Picture 7">
+            <a:extLst>
+              <a:ext uri="{FF2B5EF4-FFF2-40B4-BE49-F238E27FC236}">
+                <a16:creationId xmlns:a16="http://schemas.microsoft.com/office/drawing/2014/main" id="{227503FC-3A8E-F746-86C1-7F4DF453280D}"/>
+              </a:ext>
+            </a:extLst>
+          </p:cNvPr>
+          <p:cNvPicPr>
+            <a:picLocks noChangeAspect="1"/>
+          </p:cNvPicPr>
+          <p:nvPr/>
+        </p:nvPicPr>
+        <p:blipFill rotWithShape="1">
+          <a:blip r:embed="rId2"/>
+          <a:srcRect l="21753" t="32549" r="38369" b="32751"/>
+          <a:stretch/>
+        </p:blipFill>
+        <p:spPr>
+          <a:xfrm>
+            <a:off x="8364279" y="642331"/>
+            <a:ext cx="3452427" cy="1686982"/>
+          </a:xfrm>
+          <a:prstGeom prst="rect">
+            <a:avLst/>
+          </a:prstGeom>
+        </p:spPr>
+      </p:pic>
+      <p:pic>
+        <p:nvPicPr>
+          <p:cNvPr id="9" name="Picture 8">
+            <a:extLst>
+              <a:ext uri="{FF2B5EF4-FFF2-40B4-BE49-F238E27FC236}">
+                <a16:creationId xmlns:a16="http://schemas.microsoft.com/office/drawing/2014/main" id="{D3515143-9C4C-C94E-8FA9-08D33AD5A808}"/>
+              </a:ext>
+            </a:extLst>
+          </p:cNvPr>
+          <p:cNvPicPr>
+            <a:picLocks noChangeAspect="1"/>
+          </p:cNvPicPr>
+          <p:nvPr/>
+        </p:nvPicPr>
+        <p:blipFill rotWithShape="1">
+          <a:blip r:embed="rId2"/>
+          <a:srcRect l="21753" t="32549" r="38369" b="32751"/>
+          <a:stretch/>
+        </p:blipFill>
+        <p:spPr>
+          <a:xfrm>
+            <a:off x="8364279" y="2747806"/>
+            <a:ext cx="3452427" cy="1686982"/>
+          </a:xfrm>
+          <a:prstGeom prst="rect">
+            <a:avLst/>
+          </a:prstGeom>
+        </p:spPr>
+      </p:pic>
+      <p:pic>
+        <p:nvPicPr>
+          <p:cNvPr id="10" name="Picture 9">
+            <a:extLst>
+              <a:ext uri="{FF2B5EF4-FFF2-40B4-BE49-F238E27FC236}">
+                <a16:creationId xmlns:a16="http://schemas.microsoft.com/office/drawing/2014/main" id="{9C19299C-2A5C-954B-8A1F-EAEEC15A4F98}"/>
+              </a:ext>
+            </a:extLst>
+          </p:cNvPr>
+          <p:cNvPicPr>
+            <a:picLocks noChangeAspect="1"/>
+          </p:cNvPicPr>
+          <p:nvPr/>
+        </p:nvPicPr>
+        <p:blipFill rotWithShape="1">
+          <a:blip r:embed="rId2"/>
+          <a:srcRect l="21753" t="32549" r="38369" b="32751"/>
+          <a:stretch/>
+        </p:blipFill>
+        <p:spPr>
+          <a:xfrm>
+            <a:off x="8247515" y="4853281"/>
+            <a:ext cx="3452427" cy="1686982"/>
+          </a:xfrm>
+          <a:prstGeom prst="rect">
+            <a:avLst/>
+          </a:prstGeom>
+        </p:spPr>
+      </p:pic>
+      <p:pic>
+        <p:nvPicPr>
+          <p:cNvPr id="34" name="Picture 33">
+            <a:extLst>
+              <a:ext uri="{FF2B5EF4-FFF2-40B4-BE49-F238E27FC236}">
+                <a16:creationId xmlns:a16="http://schemas.microsoft.com/office/drawing/2014/main" id="{7CE1A86B-9AC5-3047-9389-16B2FE290B6F}"/>
+              </a:ext>
+            </a:extLst>
+          </p:cNvPr>
+          <p:cNvPicPr>
+            <a:picLocks noChangeAspect="1"/>
+          </p:cNvPicPr>
+          <p:nvPr/>
+        </p:nvPicPr>
+        <p:blipFill rotWithShape="1">
+          <a:blip r:embed="rId2"/>
+          <a:srcRect l="21753" t="32549" r="38369" b="32751"/>
+          <a:stretch/>
+        </p:blipFill>
+        <p:spPr>
+          <a:xfrm>
+            <a:off x="4582437" y="3909320"/>
+            <a:ext cx="3452427" cy="1686982"/>
+          </a:xfrm>
+          <a:prstGeom prst="rect">
+            <a:avLst/>
+          </a:prstGeom>
+        </p:spPr>
+      </p:pic>
+      <p:pic>
+        <p:nvPicPr>
+          <p:cNvPr id="35" name="Picture 34">
+            <a:extLst>
+              <a:ext uri="{FF2B5EF4-FFF2-40B4-BE49-F238E27FC236}">
+                <a16:creationId xmlns:a16="http://schemas.microsoft.com/office/drawing/2014/main" id="{DBDADA91-AC05-5947-96AC-F1CCF6ACA13D}"/>
+              </a:ext>
+            </a:extLst>
+          </p:cNvPr>
+          <p:cNvPicPr>
+            <a:picLocks noChangeAspect="1"/>
+          </p:cNvPicPr>
+          <p:nvPr/>
+        </p:nvPicPr>
+        <p:blipFill rotWithShape="1">
+          <a:blip r:embed="rId2"/>
+          <a:srcRect l="21753" t="32549" r="38369" b="32751"/>
+          <a:stretch/>
+        </p:blipFill>
+        <p:spPr>
+          <a:xfrm>
+            <a:off x="4582437" y="1904315"/>
+            <a:ext cx="3452427" cy="1686982"/>
+          </a:xfrm>
+          <a:prstGeom prst="rect">
+            <a:avLst/>
+          </a:prstGeom>
+        </p:spPr>
+      </p:pic>
+      <p:cxnSp>
+        <p:nvCxnSpPr>
+          <p:cNvPr id="12" name="Straight Connector 11">
+            <a:extLst>
+              <a:ext uri="{FF2B5EF4-FFF2-40B4-BE49-F238E27FC236}">
+                <a16:creationId xmlns:a16="http://schemas.microsoft.com/office/drawing/2014/main" id="{039BE064-41D3-7A49-AC19-004A277B4C95}"/>
+              </a:ext>
+            </a:extLst>
+          </p:cNvPr>
+          <p:cNvCxnSpPr>
+            <a:cxnSpLocks/>
+          </p:cNvCxnSpPr>
+          <p:nvPr/>
+        </p:nvCxnSpPr>
+        <p:spPr>
+          <a:xfrm>
+            <a:off x="1266809" y="1097190"/>
+            <a:ext cx="1260000" cy="777264"/>
+          </a:xfrm>
+          <a:prstGeom prst="line">
+            <a:avLst/>
+          </a:prstGeom>
+          <a:ln w="76200">
+            <a:solidFill>
+              <a:schemeClr val="accent5"/>
+            </a:solidFill>
+          </a:ln>
+        </p:spPr>
+        <p:style>
+          <a:lnRef idx="3">
+            <a:schemeClr val="accent1"/>
+          </a:lnRef>
+          <a:fillRef idx="0">
+            <a:schemeClr val="accent1"/>
+          </a:fillRef>
+          <a:effectRef idx="2">
+            <a:schemeClr val="accent1"/>
+          </a:effectRef>
+          <a:fontRef idx="minor">
+            <a:schemeClr val="tx1"/>
+          </a:fontRef>
+        </p:style>
+      </p:cxnSp>
+      <p:cxnSp>
+        <p:nvCxnSpPr>
+          <p:cNvPr id="36" name="Straight Connector 35">
+            <a:extLst>
+              <a:ext uri="{FF2B5EF4-FFF2-40B4-BE49-F238E27FC236}">
+                <a16:creationId xmlns:a16="http://schemas.microsoft.com/office/drawing/2014/main" id="{6AB9D7EC-0E4B-C04A-B80C-E153C7040370}"/>
+              </a:ext>
+            </a:extLst>
+          </p:cNvPr>
+          <p:cNvCxnSpPr>
+            <a:cxnSpLocks/>
+          </p:cNvCxnSpPr>
+          <p:nvPr/>
+        </p:nvCxnSpPr>
+        <p:spPr>
+          <a:xfrm flipH="1">
+            <a:off x="2526809" y="839395"/>
+            <a:ext cx="1420745" cy="1064920"/>
+          </a:xfrm>
+          <a:prstGeom prst="line">
+            <a:avLst/>
+          </a:prstGeom>
+          <a:ln w="76200">
+            <a:solidFill>
+              <a:schemeClr val="accent5"/>
+            </a:solidFill>
+          </a:ln>
+        </p:spPr>
+        <p:style>
+          <a:lnRef idx="3">
+            <a:schemeClr val="accent2"/>
+          </a:lnRef>
+          <a:fillRef idx="0">
+            <a:schemeClr val="accent2"/>
+          </a:fillRef>
+          <a:effectRef idx="2">
+            <a:schemeClr val="accent2"/>
+          </a:effectRef>
+          <a:fontRef idx="minor">
+            <a:schemeClr val="tx1"/>
+          </a:fontRef>
+        </p:style>
+      </p:cxnSp>
+      <p:cxnSp>
+        <p:nvCxnSpPr>
+          <p:cNvPr id="37" name="Straight Connector 36">
+            <a:extLst>
+              <a:ext uri="{FF2B5EF4-FFF2-40B4-BE49-F238E27FC236}">
+                <a16:creationId xmlns:a16="http://schemas.microsoft.com/office/drawing/2014/main" id="{8CA7FAF1-6B65-4E41-862E-F734ABCD7512}"/>
+              </a:ext>
+            </a:extLst>
+          </p:cNvPr>
+          <p:cNvCxnSpPr>
+            <a:cxnSpLocks/>
+          </p:cNvCxnSpPr>
+          <p:nvPr/>
+        </p:nvCxnSpPr>
+        <p:spPr>
+          <a:xfrm flipH="1">
+            <a:off x="1268428" y="3040368"/>
+            <a:ext cx="1258381" cy="921092"/>
+          </a:xfrm>
+          <a:prstGeom prst="line">
+            <a:avLst/>
+          </a:prstGeom>
+          <a:ln w="76200">
+            <a:solidFill>
+              <a:schemeClr val="accent5"/>
+            </a:solidFill>
+          </a:ln>
+        </p:spPr>
+        <p:style>
+          <a:lnRef idx="3">
+            <a:schemeClr val="accent2"/>
+          </a:lnRef>
+          <a:fillRef idx="0">
+            <a:schemeClr val="accent2"/>
+          </a:fillRef>
+          <a:effectRef idx="2">
+            <a:schemeClr val="accent2"/>
+          </a:effectRef>
+          <a:fontRef idx="minor">
+            <a:schemeClr val="tx1"/>
+          </a:fontRef>
+        </p:style>
+      </p:cxnSp>
+      <p:cxnSp>
+        <p:nvCxnSpPr>
+          <p:cNvPr id="38" name="Straight Connector 37">
+            <a:extLst>
+              <a:ext uri="{FF2B5EF4-FFF2-40B4-BE49-F238E27FC236}">
+                <a16:creationId xmlns:a16="http://schemas.microsoft.com/office/drawing/2014/main" id="{B2F87CB8-CE19-B04B-B612-1D68FCF0C236}"/>
+              </a:ext>
+            </a:extLst>
+          </p:cNvPr>
+          <p:cNvCxnSpPr>
+            <a:cxnSpLocks/>
+          </p:cNvCxnSpPr>
+          <p:nvPr/>
+        </p:nvCxnSpPr>
+        <p:spPr>
+          <a:xfrm>
+            <a:off x="2526809" y="3040368"/>
+            <a:ext cx="1260000" cy="777264"/>
+          </a:xfrm>
+          <a:prstGeom prst="line">
+            <a:avLst/>
+          </a:prstGeom>
+          <a:ln w="76200">
+            <a:solidFill>
+              <a:schemeClr val="accent5"/>
+            </a:solidFill>
+          </a:ln>
+        </p:spPr>
+        <p:style>
+          <a:lnRef idx="3">
+            <a:schemeClr val="accent1"/>
+          </a:lnRef>
+          <a:fillRef idx="0">
+            <a:schemeClr val="accent1"/>
+          </a:fillRef>
+          <a:effectRef idx="2">
+            <a:schemeClr val="accent1"/>
+          </a:effectRef>
+          <a:fontRef idx="minor">
+            <a:schemeClr val="tx1"/>
+          </a:fontRef>
+        </p:style>
+      </p:cxnSp>
+      <p:cxnSp>
+        <p:nvCxnSpPr>
+          <p:cNvPr id="39" name="Straight Connector 38">
+            <a:extLst>
+              <a:ext uri="{FF2B5EF4-FFF2-40B4-BE49-F238E27FC236}">
+                <a16:creationId xmlns:a16="http://schemas.microsoft.com/office/drawing/2014/main" id="{588649EC-F447-5D4D-9D05-CC01808ACC49}"/>
+              </a:ext>
+            </a:extLst>
+          </p:cNvPr>
+          <p:cNvCxnSpPr>
+            <a:cxnSpLocks/>
+          </p:cNvCxnSpPr>
+          <p:nvPr/>
+        </p:nvCxnSpPr>
+        <p:spPr>
+          <a:xfrm>
+            <a:off x="1266809" y="5231219"/>
+            <a:ext cx="2462541" cy="0"/>
+          </a:xfrm>
+          <a:prstGeom prst="line">
+            <a:avLst/>
+          </a:prstGeom>
+          <a:ln w="76200">
+            <a:solidFill>
+              <a:schemeClr val="accent5"/>
+            </a:solidFill>
+          </a:ln>
+        </p:spPr>
+        <p:style>
+          <a:lnRef idx="3">
+            <a:schemeClr val="accent1"/>
+          </a:lnRef>
+          <a:fillRef idx="0">
+            <a:schemeClr val="accent1"/>
+          </a:fillRef>
+          <a:effectRef idx="2">
+            <a:schemeClr val="accent1"/>
+          </a:effectRef>
+          <a:fontRef idx="minor">
+            <a:schemeClr val="tx1"/>
+          </a:fontRef>
+        </p:style>
+      </p:cxnSp>
+      <p:cxnSp>
+        <p:nvCxnSpPr>
+          <p:cNvPr id="40" name="Straight Connector 39">
+            <a:extLst>
+              <a:ext uri="{FF2B5EF4-FFF2-40B4-BE49-F238E27FC236}">
+                <a16:creationId xmlns:a16="http://schemas.microsoft.com/office/drawing/2014/main" id="{A228F5DD-E170-DF41-951E-9D6A79103631}"/>
+              </a:ext>
+            </a:extLst>
+          </p:cNvPr>
+          <p:cNvCxnSpPr>
+            <a:cxnSpLocks/>
+          </p:cNvCxnSpPr>
+          <p:nvPr/>
+        </p:nvCxnSpPr>
+        <p:spPr>
+          <a:xfrm>
+            <a:off x="1324268" y="6021573"/>
+            <a:ext cx="2462541" cy="0"/>
+          </a:xfrm>
+          <a:prstGeom prst="line">
+            <a:avLst/>
+          </a:prstGeom>
+          <a:ln w="76200">
+            <a:solidFill>
+              <a:schemeClr val="accent5"/>
+            </a:solidFill>
+          </a:ln>
+        </p:spPr>
+        <p:style>
+          <a:lnRef idx="3">
+            <a:schemeClr val="accent1"/>
+          </a:lnRef>
+          <a:fillRef idx="0">
+            <a:schemeClr val="accent1"/>
+          </a:fillRef>
+          <a:effectRef idx="2">
+            <a:schemeClr val="accent1"/>
+          </a:effectRef>
+          <a:fontRef idx="minor">
+            <a:schemeClr val="tx1"/>
+          </a:fontRef>
+        </p:style>
+      </p:cxnSp>
+      <p:cxnSp>
+        <p:nvCxnSpPr>
+          <p:cNvPr id="41" name="Straight Connector 40">
+            <a:extLst>
+              <a:ext uri="{FF2B5EF4-FFF2-40B4-BE49-F238E27FC236}">
+                <a16:creationId xmlns:a16="http://schemas.microsoft.com/office/drawing/2014/main" id="{0D4A3C1B-2DD7-8643-93CE-DB4BB5AEE5DC}"/>
+              </a:ext>
+            </a:extLst>
+          </p:cNvPr>
+          <p:cNvCxnSpPr>
+            <a:cxnSpLocks/>
+          </p:cNvCxnSpPr>
+          <p:nvPr/>
+        </p:nvCxnSpPr>
+        <p:spPr>
+          <a:xfrm>
+            <a:off x="4864729" y="3193312"/>
+            <a:ext cx="1443921" cy="0"/>
+          </a:xfrm>
+          <a:prstGeom prst="line">
+            <a:avLst/>
+          </a:prstGeom>
+          <a:ln w="76200">
+            <a:solidFill>
+              <a:schemeClr val="accent5"/>
+            </a:solidFill>
+          </a:ln>
+        </p:spPr>
+        <p:style>
+          <a:lnRef idx="3">
+            <a:schemeClr val="accent1"/>
+          </a:lnRef>
+          <a:fillRef idx="0">
+            <a:schemeClr val="accent1"/>
+          </a:fillRef>
+          <a:effectRef idx="2">
+            <a:schemeClr val="accent1"/>
+          </a:effectRef>
+          <a:fontRef idx="minor">
+            <a:schemeClr val="tx1"/>
+          </a:fontRef>
+        </p:style>
+      </p:cxnSp>
+      <p:cxnSp>
+        <p:nvCxnSpPr>
+          <p:cNvPr id="42" name="Straight Connector 41">
+            <a:extLst>
+              <a:ext uri="{FF2B5EF4-FFF2-40B4-BE49-F238E27FC236}">
+                <a16:creationId xmlns:a16="http://schemas.microsoft.com/office/drawing/2014/main" id="{69B67A98-D0A4-CE4A-BB70-9ACEC304CB9A}"/>
+              </a:ext>
+            </a:extLst>
+          </p:cNvPr>
+          <p:cNvCxnSpPr>
+            <a:cxnSpLocks/>
+          </p:cNvCxnSpPr>
+          <p:nvPr/>
+        </p:nvCxnSpPr>
+        <p:spPr>
+          <a:xfrm>
+            <a:off x="6301561" y="2362555"/>
+            <a:ext cx="1443921" cy="0"/>
+          </a:xfrm>
+          <a:prstGeom prst="line">
+            <a:avLst/>
+          </a:prstGeom>
+          <a:ln w="76200">
+            <a:solidFill>
+              <a:schemeClr val="accent5"/>
+            </a:solidFill>
+          </a:ln>
+        </p:spPr>
+        <p:style>
+          <a:lnRef idx="3">
+            <a:schemeClr val="accent1"/>
+          </a:lnRef>
+          <a:fillRef idx="0">
+            <a:schemeClr val="accent1"/>
+          </a:fillRef>
+          <a:effectRef idx="2">
+            <a:schemeClr val="accent1"/>
+          </a:effectRef>
+          <a:fontRef idx="minor">
+            <a:schemeClr val="tx1"/>
+          </a:fontRef>
+        </p:style>
+      </p:cxnSp>
+      <p:cxnSp>
+        <p:nvCxnSpPr>
+          <p:cNvPr id="43" name="Straight Connector 42">
+            <a:extLst>
+              <a:ext uri="{FF2B5EF4-FFF2-40B4-BE49-F238E27FC236}">
+                <a16:creationId xmlns:a16="http://schemas.microsoft.com/office/drawing/2014/main" id="{E07BD3C5-F9BF-4840-BD2F-A9E12F25184E}"/>
+              </a:ext>
+            </a:extLst>
+          </p:cNvPr>
+          <p:cNvCxnSpPr>
+            <a:cxnSpLocks/>
+          </p:cNvCxnSpPr>
+          <p:nvPr/>
+        </p:nvCxnSpPr>
+        <p:spPr>
+          <a:xfrm>
+            <a:off x="6301561" y="2362555"/>
+            <a:ext cx="1" cy="811869"/>
+          </a:xfrm>
+          <a:prstGeom prst="line">
+            <a:avLst/>
+          </a:prstGeom>
+          <a:ln w="76200">
+            <a:solidFill>
+              <a:schemeClr val="accent5"/>
+            </a:solidFill>
+          </a:ln>
+        </p:spPr>
+        <p:style>
+          <a:lnRef idx="3">
+            <a:schemeClr val="accent1"/>
+          </a:lnRef>
+          <a:fillRef idx="0">
+            <a:schemeClr val="accent1"/>
+          </a:fillRef>
+          <a:effectRef idx="2">
+            <a:schemeClr val="accent1"/>
+          </a:effectRef>
+          <a:fontRef idx="minor">
+            <a:schemeClr val="tx1"/>
+          </a:fontRef>
+        </p:style>
+      </p:cxnSp>
+      <p:cxnSp>
+        <p:nvCxnSpPr>
+          <p:cNvPr id="44" name="Straight Connector 43">
+            <a:extLst>
+              <a:ext uri="{FF2B5EF4-FFF2-40B4-BE49-F238E27FC236}">
+                <a16:creationId xmlns:a16="http://schemas.microsoft.com/office/drawing/2014/main" id="{BCAA7671-CD52-F341-89AE-E0D33E061F4A}"/>
+              </a:ext>
+            </a:extLst>
+          </p:cNvPr>
+          <p:cNvCxnSpPr>
+            <a:cxnSpLocks/>
+          </p:cNvCxnSpPr>
+          <p:nvPr/>
+        </p:nvCxnSpPr>
+        <p:spPr>
+          <a:xfrm>
+            <a:off x="4864729" y="4377111"/>
+            <a:ext cx="1443921" cy="0"/>
+          </a:xfrm>
+          <a:prstGeom prst="line">
+            <a:avLst/>
+          </a:prstGeom>
+          <a:ln w="76200">
+            <a:solidFill>
+              <a:schemeClr val="accent5"/>
+            </a:solidFill>
+          </a:ln>
+        </p:spPr>
+        <p:style>
+          <a:lnRef idx="3">
+            <a:schemeClr val="accent1"/>
+          </a:lnRef>
+          <a:fillRef idx="0">
+            <a:schemeClr val="accent1"/>
+          </a:fillRef>
+          <a:effectRef idx="2">
+            <a:schemeClr val="accent1"/>
+          </a:effectRef>
+          <a:fontRef idx="minor">
+            <a:schemeClr val="tx1"/>
+          </a:fontRef>
+        </p:style>
+      </p:cxnSp>
+      <p:cxnSp>
+        <p:nvCxnSpPr>
+          <p:cNvPr id="45" name="Straight Connector 44">
+            <a:extLst>
+              <a:ext uri="{FF2B5EF4-FFF2-40B4-BE49-F238E27FC236}">
+                <a16:creationId xmlns:a16="http://schemas.microsoft.com/office/drawing/2014/main" id="{B65EE2F2-5BFD-D14F-9711-5E54ADB93562}"/>
+              </a:ext>
+            </a:extLst>
+          </p:cNvPr>
+          <p:cNvCxnSpPr>
+            <a:cxnSpLocks/>
+          </p:cNvCxnSpPr>
+          <p:nvPr/>
+        </p:nvCxnSpPr>
+        <p:spPr>
+          <a:xfrm>
+            <a:off x="6301559" y="5188689"/>
+            <a:ext cx="1443921" cy="0"/>
+          </a:xfrm>
+          <a:prstGeom prst="line">
+            <a:avLst/>
+          </a:prstGeom>
+          <a:ln w="76200">
+            <a:solidFill>
+              <a:schemeClr val="accent5"/>
+            </a:solidFill>
+          </a:ln>
+        </p:spPr>
+        <p:style>
+          <a:lnRef idx="3">
+            <a:schemeClr val="accent1"/>
+          </a:lnRef>
+          <a:fillRef idx="0">
+            <a:schemeClr val="accent1"/>
+          </a:fillRef>
+          <a:effectRef idx="2">
+            <a:schemeClr val="accent1"/>
+          </a:effectRef>
+          <a:fontRef idx="minor">
+            <a:schemeClr val="tx1"/>
+          </a:fontRef>
+        </p:style>
+      </p:cxnSp>
+      <p:cxnSp>
+        <p:nvCxnSpPr>
+          <p:cNvPr id="46" name="Straight Connector 45">
+            <a:extLst>
+              <a:ext uri="{FF2B5EF4-FFF2-40B4-BE49-F238E27FC236}">
+                <a16:creationId xmlns:a16="http://schemas.microsoft.com/office/drawing/2014/main" id="{590F114D-DBF9-8642-9DF0-AB0599D05F6B}"/>
+              </a:ext>
+            </a:extLst>
+          </p:cNvPr>
+          <p:cNvCxnSpPr>
+            <a:cxnSpLocks/>
+          </p:cNvCxnSpPr>
+          <p:nvPr/>
+        </p:nvCxnSpPr>
+        <p:spPr>
+          <a:xfrm>
+            <a:off x="6301559" y="4390995"/>
+            <a:ext cx="1" cy="811869"/>
+          </a:xfrm>
+          <a:prstGeom prst="line">
+            <a:avLst/>
+          </a:prstGeom>
+          <a:ln w="76200">
+            <a:solidFill>
+              <a:schemeClr val="accent5"/>
+            </a:solidFill>
+          </a:ln>
+        </p:spPr>
+        <p:style>
+          <a:lnRef idx="3">
+            <a:schemeClr val="accent1"/>
+          </a:lnRef>
+          <a:fillRef idx="0">
+            <a:schemeClr val="accent1"/>
+          </a:fillRef>
+          <a:effectRef idx="2">
+            <a:schemeClr val="accent1"/>
+          </a:effectRef>
+          <a:fontRef idx="minor">
+            <a:schemeClr val="tx1"/>
+          </a:fontRef>
+        </p:style>
+      </p:cxnSp>
+      <p:cxnSp>
+        <p:nvCxnSpPr>
+          <p:cNvPr id="47" name="Straight Connector 46">
+            <a:extLst>
+              <a:ext uri="{FF2B5EF4-FFF2-40B4-BE49-F238E27FC236}">
+                <a16:creationId xmlns:a16="http://schemas.microsoft.com/office/drawing/2014/main" id="{576080BE-A523-BD47-B33D-A035390FED5F}"/>
+              </a:ext>
+            </a:extLst>
+          </p:cNvPr>
+          <p:cNvCxnSpPr>
+            <a:cxnSpLocks/>
+          </p:cNvCxnSpPr>
+          <p:nvPr/>
+        </p:nvCxnSpPr>
+        <p:spPr>
+          <a:xfrm flipH="1">
+            <a:off x="9005776" y="1079888"/>
+            <a:ext cx="967952" cy="829171"/>
+          </a:xfrm>
+          <a:prstGeom prst="line">
+            <a:avLst/>
+          </a:prstGeom>
+          <a:ln w="76200">
+            <a:solidFill>
+              <a:schemeClr val="accent5"/>
+            </a:solidFill>
+          </a:ln>
+        </p:spPr>
+        <p:style>
+          <a:lnRef idx="3">
+            <a:schemeClr val="accent1"/>
+          </a:lnRef>
+          <a:fillRef idx="0">
+            <a:schemeClr val="accent1"/>
+          </a:fillRef>
+          <a:effectRef idx="2">
+            <a:schemeClr val="accent1"/>
+          </a:effectRef>
+          <a:fontRef idx="minor">
+            <a:schemeClr val="tx1"/>
+          </a:fontRef>
+        </p:style>
+      </p:cxnSp>
+      <p:cxnSp>
+        <p:nvCxnSpPr>
+          <p:cNvPr id="49" name="Straight Connector 48">
+            <a:extLst>
+              <a:ext uri="{FF2B5EF4-FFF2-40B4-BE49-F238E27FC236}">
+                <a16:creationId xmlns:a16="http://schemas.microsoft.com/office/drawing/2014/main" id="{79CE8B78-5EB7-504D-B92A-8C0DC62BFAEF}"/>
+              </a:ext>
+            </a:extLst>
+          </p:cNvPr>
+          <p:cNvCxnSpPr>
+            <a:cxnSpLocks/>
+          </p:cNvCxnSpPr>
+          <p:nvPr/>
+        </p:nvCxnSpPr>
+        <p:spPr>
+          <a:xfrm>
+            <a:off x="9961225" y="1088538"/>
+            <a:ext cx="1" cy="811869"/>
+          </a:xfrm>
+          <a:prstGeom prst="line">
+            <a:avLst/>
+          </a:prstGeom>
+          <a:ln w="76200">
+            <a:solidFill>
+              <a:schemeClr val="accent5"/>
+            </a:solidFill>
+          </a:ln>
+        </p:spPr>
+        <p:style>
+          <a:lnRef idx="3">
+            <a:schemeClr val="accent1"/>
+          </a:lnRef>
+          <a:fillRef idx="0">
+            <a:schemeClr val="accent1"/>
+          </a:fillRef>
+          <a:effectRef idx="2">
+            <a:schemeClr val="accent1"/>
+          </a:effectRef>
+          <a:fontRef idx="minor">
+            <a:schemeClr val="tx1"/>
+          </a:fontRef>
+        </p:style>
+      </p:cxnSp>
+      <p:cxnSp>
+        <p:nvCxnSpPr>
+          <p:cNvPr id="50" name="Straight Connector 49">
+            <a:extLst>
+              <a:ext uri="{FF2B5EF4-FFF2-40B4-BE49-F238E27FC236}">
+                <a16:creationId xmlns:a16="http://schemas.microsoft.com/office/drawing/2014/main" id="{FE6A682C-4FA7-5549-B9B7-9F7C0BF20CA5}"/>
+              </a:ext>
+            </a:extLst>
+          </p:cNvPr>
+          <p:cNvCxnSpPr>
+            <a:cxnSpLocks/>
+          </p:cNvCxnSpPr>
+          <p:nvPr/>
+        </p:nvCxnSpPr>
+        <p:spPr>
+          <a:xfrm flipH="1">
+            <a:off x="9994995" y="1079888"/>
+            <a:ext cx="967952" cy="829171"/>
+          </a:xfrm>
+          <a:prstGeom prst="line">
+            <a:avLst/>
+          </a:prstGeom>
+          <a:ln w="76200">
+            <a:solidFill>
+              <a:schemeClr val="accent5"/>
+            </a:solidFill>
+          </a:ln>
+        </p:spPr>
+        <p:style>
+          <a:lnRef idx="3">
+            <a:schemeClr val="accent1"/>
+          </a:lnRef>
+          <a:fillRef idx="0">
+            <a:schemeClr val="accent1"/>
+          </a:fillRef>
+          <a:effectRef idx="2">
+            <a:schemeClr val="accent1"/>
+          </a:effectRef>
+          <a:fontRef idx="minor">
+            <a:schemeClr val="tx1"/>
+          </a:fontRef>
+        </p:style>
+      </p:cxnSp>
+      <p:cxnSp>
+        <p:nvCxnSpPr>
+          <p:cNvPr id="51" name="Straight Connector 50">
+            <a:extLst>
+              <a:ext uri="{FF2B5EF4-FFF2-40B4-BE49-F238E27FC236}">
+                <a16:creationId xmlns:a16="http://schemas.microsoft.com/office/drawing/2014/main" id="{C031AD44-4D98-584D-A421-212F8E916D0A}"/>
+              </a:ext>
+            </a:extLst>
+          </p:cNvPr>
+          <p:cNvCxnSpPr>
+            <a:cxnSpLocks/>
+          </p:cNvCxnSpPr>
+          <p:nvPr/>
+        </p:nvCxnSpPr>
+        <p:spPr>
+          <a:xfrm flipH="1">
+            <a:off x="8912145" y="3210614"/>
+            <a:ext cx="1006006" cy="811869"/>
+          </a:xfrm>
+          <a:prstGeom prst="line">
+            <a:avLst/>
+          </a:prstGeom>
+          <a:ln w="76200">
+            <a:solidFill>
+              <a:schemeClr val="accent5"/>
+            </a:solidFill>
+          </a:ln>
+        </p:spPr>
+        <p:style>
+          <a:lnRef idx="3">
+            <a:schemeClr val="accent1"/>
+          </a:lnRef>
+          <a:fillRef idx="0">
+            <a:schemeClr val="accent1"/>
+          </a:fillRef>
+          <a:effectRef idx="2">
+            <a:schemeClr val="accent1"/>
+          </a:effectRef>
+          <a:fontRef idx="minor">
+            <a:schemeClr val="tx1"/>
+          </a:fontRef>
+        </p:style>
+      </p:cxnSp>
+      <p:cxnSp>
+        <p:nvCxnSpPr>
+          <p:cNvPr id="52" name="Straight Connector 51">
+            <a:extLst>
+              <a:ext uri="{FF2B5EF4-FFF2-40B4-BE49-F238E27FC236}">
+                <a16:creationId xmlns:a16="http://schemas.microsoft.com/office/drawing/2014/main" id="{E2C47D9A-6D82-894A-9DBF-C994AA42B0F1}"/>
+              </a:ext>
+            </a:extLst>
+          </p:cNvPr>
+          <p:cNvCxnSpPr>
+            <a:cxnSpLocks/>
+          </p:cNvCxnSpPr>
+          <p:nvPr/>
+        </p:nvCxnSpPr>
+        <p:spPr>
+          <a:xfrm>
+            <a:off x="8950199" y="3210614"/>
+            <a:ext cx="1" cy="811869"/>
+          </a:xfrm>
+          <a:prstGeom prst="line">
+            <a:avLst/>
+          </a:prstGeom>
+          <a:ln w="76200">
+            <a:solidFill>
+              <a:schemeClr val="accent5"/>
+            </a:solidFill>
+          </a:ln>
+        </p:spPr>
+        <p:style>
+          <a:lnRef idx="3">
+            <a:schemeClr val="accent1"/>
+          </a:lnRef>
+          <a:fillRef idx="0">
+            <a:schemeClr val="accent1"/>
+          </a:fillRef>
+          <a:effectRef idx="2">
+            <a:schemeClr val="accent1"/>
+          </a:effectRef>
+          <a:fontRef idx="minor">
+            <a:schemeClr val="tx1"/>
+          </a:fontRef>
+        </p:style>
+      </p:cxnSp>
+      <p:cxnSp>
+        <p:nvCxnSpPr>
+          <p:cNvPr id="53" name="Straight Connector 52">
+            <a:extLst>
+              <a:ext uri="{FF2B5EF4-FFF2-40B4-BE49-F238E27FC236}">
+                <a16:creationId xmlns:a16="http://schemas.microsoft.com/office/drawing/2014/main" id="{5CF273FA-851C-5F48-99E0-9D28E5282A4C}"/>
+              </a:ext>
+            </a:extLst>
+          </p:cNvPr>
+          <p:cNvCxnSpPr>
+            <a:cxnSpLocks/>
+          </p:cNvCxnSpPr>
+          <p:nvPr/>
+        </p:nvCxnSpPr>
+        <p:spPr>
+          <a:xfrm>
+            <a:off x="11317169" y="3174424"/>
+            <a:ext cx="1" cy="811869"/>
+          </a:xfrm>
+          <a:prstGeom prst="line">
+            <a:avLst/>
+          </a:prstGeom>
+          <a:ln w="76200">
+            <a:solidFill>
+              <a:schemeClr val="accent5"/>
+            </a:solidFill>
+          </a:ln>
+        </p:spPr>
+        <p:style>
+          <a:lnRef idx="3">
+            <a:schemeClr val="accent1"/>
+          </a:lnRef>
+          <a:fillRef idx="0">
+            <a:schemeClr val="accent1"/>
+          </a:fillRef>
+          <a:effectRef idx="2">
+            <a:schemeClr val="accent1"/>
+          </a:effectRef>
+          <a:fontRef idx="minor">
+            <a:schemeClr val="tx1"/>
+          </a:fontRef>
+        </p:style>
+      </p:cxnSp>
+      <p:cxnSp>
+        <p:nvCxnSpPr>
+          <p:cNvPr id="54" name="Straight Connector 53">
+            <a:extLst>
+              <a:ext uri="{FF2B5EF4-FFF2-40B4-BE49-F238E27FC236}">
+                <a16:creationId xmlns:a16="http://schemas.microsoft.com/office/drawing/2014/main" id="{EC10E8DD-C607-F541-B6E7-5C4A74AB2361}"/>
+              </a:ext>
+            </a:extLst>
+          </p:cNvPr>
+          <p:cNvCxnSpPr>
+            <a:cxnSpLocks/>
+          </p:cNvCxnSpPr>
+          <p:nvPr/>
+        </p:nvCxnSpPr>
+        <p:spPr>
+          <a:xfrm flipH="1" flipV="1">
+            <a:off x="9918151" y="3210614"/>
+            <a:ext cx="1399019" cy="775680"/>
+          </a:xfrm>
+          <a:prstGeom prst="line">
+            <a:avLst/>
+          </a:prstGeom>
+          <a:ln w="76200">
+            <a:solidFill>
+              <a:schemeClr val="accent5"/>
+            </a:solidFill>
+          </a:ln>
+        </p:spPr>
+        <p:style>
+          <a:lnRef idx="3">
+            <a:schemeClr val="accent1"/>
+          </a:lnRef>
+          <a:fillRef idx="0">
+            <a:schemeClr val="accent1"/>
+          </a:fillRef>
+          <a:effectRef idx="2">
+            <a:schemeClr val="accent1"/>
+          </a:effectRef>
+          <a:fontRef idx="minor">
+            <a:schemeClr val="tx1"/>
+          </a:fontRef>
+        </p:style>
+      </p:cxnSp>
+      <p:cxnSp>
+        <p:nvCxnSpPr>
+          <p:cNvPr id="58" name="Straight Connector 57">
+            <a:extLst>
+              <a:ext uri="{FF2B5EF4-FFF2-40B4-BE49-F238E27FC236}">
+                <a16:creationId xmlns:a16="http://schemas.microsoft.com/office/drawing/2014/main" id="{4AF95B58-FE14-B547-A804-3C50E2532B76}"/>
+              </a:ext>
+            </a:extLst>
+          </p:cNvPr>
+          <p:cNvCxnSpPr>
+            <a:cxnSpLocks/>
+          </p:cNvCxnSpPr>
+          <p:nvPr/>
+        </p:nvCxnSpPr>
+        <p:spPr>
+          <a:xfrm>
+            <a:off x="8912144" y="5256442"/>
+            <a:ext cx="1" cy="811869"/>
+          </a:xfrm>
+          <a:prstGeom prst="line">
+            <a:avLst/>
+          </a:prstGeom>
+          <a:ln w="76200">
+            <a:solidFill>
+              <a:schemeClr val="accent5"/>
+            </a:solidFill>
+          </a:ln>
+        </p:spPr>
+        <p:style>
+          <a:lnRef idx="3">
+            <a:schemeClr val="accent1"/>
+          </a:lnRef>
+          <a:fillRef idx="0">
+            <a:schemeClr val="accent1"/>
+          </a:fillRef>
+          <a:effectRef idx="2">
+            <a:schemeClr val="accent1"/>
+          </a:effectRef>
+          <a:fontRef idx="minor">
+            <a:schemeClr val="tx1"/>
+          </a:fontRef>
+        </p:style>
+      </p:cxnSp>
+      <p:cxnSp>
+        <p:nvCxnSpPr>
+          <p:cNvPr id="59" name="Straight Connector 58">
+            <a:extLst>
+              <a:ext uri="{FF2B5EF4-FFF2-40B4-BE49-F238E27FC236}">
+                <a16:creationId xmlns:a16="http://schemas.microsoft.com/office/drawing/2014/main" id="{16710350-D332-D149-89CB-F6DD51A7D7C9}"/>
+              </a:ext>
+            </a:extLst>
+          </p:cNvPr>
+          <p:cNvCxnSpPr>
+            <a:cxnSpLocks/>
+          </p:cNvCxnSpPr>
+          <p:nvPr/>
+        </p:nvCxnSpPr>
+        <p:spPr>
+          <a:xfrm>
+            <a:off x="11040179" y="5236655"/>
+            <a:ext cx="1" cy="811869"/>
+          </a:xfrm>
+          <a:prstGeom prst="line">
+            <a:avLst/>
+          </a:prstGeom>
+          <a:ln w="76200">
+            <a:solidFill>
+              <a:schemeClr val="accent5"/>
+            </a:solidFill>
+          </a:ln>
+        </p:spPr>
+        <p:style>
+          <a:lnRef idx="3">
+            <a:schemeClr val="accent1"/>
+          </a:lnRef>
+          <a:fillRef idx="0">
+            <a:schemeClr val="accent1"/>
+          </a:fillRef>
+          <a:effectRef idx="2">
+            <a:schemeClr val="accent1"/>
+          </a:effectRef>
+          <a:fontRef idx="minor">
+            <a:schemeClr val="tx1"/>
+          </a:fontRef>
+        </p:style>
+      </p:cxnSp>
+      <p:cxnSp>
+        <p:nvCxnSpPr>
+          <p:cNvPr id="60" name="Straight Connector 59">
+            <a:extLst>
+              <a:ext uri="{FF2B5EF4-FFF2-40B4-BE49-F238E27FC236}">
+                <a16:creationId xmlns:a16="http://schemas.microsoft.com/office/drawing/2014/main" id="{5A4FFCEF-C264-C041-8585-3863BCF91907}"/>
+              </a:ext>
+            </a:extLst>
+          </p:cNvPr>
+          <p:cNvCxnSpPr>
+            <a:cxnSpLocks/>
+          </p:cNvCxnSpPr>
+          <p:nvPr/>
+        </p:nvCxnSpPr>
+        <p:spPr>
+          <a:xfrm flipH="1" flipV="1">
+            <a:off x="8894719" y="5256441"/>
+            <a:ext cx="1122029" cy="811870"/>
+          </a:xfrm>
+          <a:prstGeom prst="line">
+            <a:avLst/>
+          </a:prstGeom>
+          <a:ln w="76200">
+            <a:solidFill>
+              <a:schemeClr val="accent5"/>
+            </a:solidFill>
+          </a:ln>
+        </p:spPr>
+        <p:style>
+          <a:lnRef idx="3">
+            <a:schemeClr val="accent1"/>
+          </a:lnRef>
+          <a:fillRef idx="0">
+            <a:schemeClr val="accent1"/>
+          </a:fillRef>
+          <a:effectRef idx="2">
+            <a:schemeClr val="accent1"/>
+          </a:effectRef>
+          <a:fontRef idx="minor">
+            <a:schemeClr val="tx1"/>
+          </a:fontRef>
+        </p:style>
+      </p:cxnSp>
+      <p:cxnSp>
+        <p:nvCxnSpPr>
+          <p:cNvPr id="63" name="Straight Connector 62">
+            <a:extLst>
+              <a:ext uri="{FF2B5EF4-FFF2-40B4-BE49-F238E27FC236}">
+                <a16:creationId xmlns:a16="http://schemas.microsoft.com/office/drawing/2014/main" id="{20E71A62-C14C-7941-ACD6-54D8426BCAD2}"/>
+              </a:ext>
+            </a:extLst>
+          </p:cNvPr>
+          <p:cNvCxnSpPr>
+            <a:cxnSpLocks/>
+          </p:cNvCxnSpPr>
+          <p:nvPr/>
+        </p:nvCxnSpPr>
+        <p:spPr>
+          <a:xfrm flipH="1">
+            <a:off x="10066046" y="5256441"/>
+            <a:ext cx="1030452" cy="811870"/>
+          </a:xfrm>
+          <a:prstGeom prst="line">
+            <a:avLst/>
+          </a:prstGeom>
+          <a:ln w="76200">
+            <a:solidFill>
+              <a:schemeClr val="accent5"/>
+            </a:solidFill>
+          </a:ln>
+        </p:spPr>
+        <p:style>
+          <a:lnRef idx="3">
+            <a:schemeClr val="accent1"/>
+          </a:lnRef>
+          <a:fillRef idx="0">
+            <a:schemeClr val="accent1"/>
+          </a:fillRef>
+          <a:effectRef idx="2">
+            <a:schemeClr val="accent1"/>
+          </a:effectRef>
+          <a:fontRef idx="minor">
+            <a:schemeClr val="tx1"/>
+          </a:fontRef>
+        </p:style>
+      </p:cxnSp>
+    </p:spTree>
+    <p:extLst>
+      <p:ext uri="{BB962C8B-B14F-4D97-AF65-F5344CB8AC3E}">
+        <p14:creationId xmlns:p14="http://schemas.microsoft.com/office/powerpoint/2010/main" val="3799943310"/>
+      </p:ext>
+    </p:extLst>
+  </p:cSld>
+  <p:clrMapOvr>
+    <a:masterClrMapping/>
+  </p:clrMapOvr>
+</p:sld>
+</file>
+
 <file path=ppt/theme/theme1.xml><?xml version="1.0" encoding="utf-8"?>
 <a:theme xmlns:a="http://schemas.openxmlformats.org/drawingml/2006/main" name="Tema de Office">
   <a:themeElements>

--- a/PROYECTOMODULO2.pptx
+++ b/PROYECTOMODULO2.pptx
@@ -6,8 +6,9 @@
   </p:sldMasterIdLst>
   <p:sldIdLst>
     <p:sldId id="256" r:id="rId2"/>
-    <p:sldId id="257" r:id="rId3"/>
-    <p:sldId id="258" r:id="rId4"/>
+    <p:sldId id="259" r:id="rId3"/>
+    <p:sldId id="257" r:id="rId4"/>
+    <p:sldId id="258" r:id="rId5"/>
   </p:sldIdLst>
   <p:sldSz cx="12192000" cy="6858000"/>
   <p:notesSz cx="6858000" cy="9144000"/>
@@ -308,7 +309,7 @@
           <a:p>
             <a:fld id="{B79BB44D-4C11-4A59-82C7-147068CCE46E}" type="datetimeFigureOut">
               <a:rPr lang="es-MX" smtClean="0"/>
-              <a:t>13/11/19</a:t>
+              <a:t>15/11/19</a:t>
             </a:fld>
             <a:endParaRPr lang="es-MX"/>
           </a:p>
@@ -508,7 +509,7 @@
           <a:p>
             <a:fld id="{B79BB44D-4C11-4A59-82C7-147068CCE46E}" type="datetimeFigureOut">
               <a:rPr lang="es-MX" smtClean="0"/>
-              <a:t>13/11/19</a:t>
+              <a:t>15/11/19</a:t>
             </a:fld>
             <a:endParaRPr lang="es-MX"/>
           </a:p>
@@ -718,7 +719,7 @@
           <a:p>
             <a:fld id="{B79BB44D-4C11-4A59-82C7-147068CCE46E}" type="datetimeFigureOut">
               <a:rPr lang="es-MX" smtClean="0"/>
-              <a:t>13/11/19</a:t>
+              <a:t>15/11/19</a:t>
             </a:fld>
             <a:endParaRPr lang="es-MX"/>
           </a:p>
@@ -918,7 +919,7 @@
           <a:p>
             <a:fld id="{B79BB44D-4C11-4A59-82C7-147068CCE46E}" type="datetimeFigureOut">
               <a:rPr lang="es-MX" smtClean="0"/>
-              <a:t>13/11/19</a:t>
+              <a:t>15/11/19</a:t>
             </a:fld>
             <a:endParaRPr lang="es-MX"/>
           </a:p>
@@ -1194,7 +1195,7 @@
           <a:p>
             <a:fld id="{B79BB44D-4C11-4A59-82C7-147068CCE46E}" type="datetimeFigureOut">
               <a:rPr lang="es-MX" smtClean="0"/>
-              <a:t>13/11/19</a:t>
+              <a:t>15/11/19</a:t>
             </a:fld>
             <a:endParaRPr lang="es-MX"/>
           </a:p>
@@ -1462,7 +1463,7 @@
           <a:p>
             <a:fld id="{B79BB44D-4C11-4A59-82C7-147068CCE46E}" type="datetimeFigureOut">
               <a:rPr lang="es-MX" smtClean="0"/>
-              <a:t>13/11/19</a:t>
+              <a:t>15/11/19</a:t>
             </a:fld>
             <a:endParaRPr lang="es-MX"/>
           </a:p>
@@ -1877,7 +1878,7 @@
           <a:p>
             <a:fld id="{B79BB44D-4C11-4A59-82C7-147068CCE46E}" type="datetimeFigureOut">
               <a:rPr lang="es-MX" smtClean="0"/>
-              <a:t>13/11/19</a:t>
+              <a:t>15/11/19</a:t>
             </a:fld>
             <a:endParaRPr lang="es-MX"/>
           </a:p>
@@ -2019,7 +2020,7 @@
           <a:p>
             <a:fld id="{B79BB44D-4C11-4A59-82C7-147068CCE46E}" type="datetimeFigureOut">
               <a:rPr lang="es-MX" smtClean="0"/>
-              <a:t>13/11/19</a:t>
+              <a:t>15/11/19</a:t>
             </a:fld>
             <a:endParaRPr lang="es-MX"/>
           </a:p>
@@ -2132,7 +2133,7 @@
           <a:p>
             <a:fld id="{B79BB44D-4C11-4A59-82C7-147068CCE46E}" type="datetimeFigureOut">
               <a:rPr lang="es-MX" smtClean="0"/>
-              <a:t>13/11/19</a:t>
+              <a:t>15/11/19</a:t>
             </a:fld>
             <a:endParaRPr lang="es-MX"/>
           </a:p>
@@ -2445,7 +2446,7 @@
           <a:p>
             <a:fld id="{B79BB44D-4C11-4A59-82C7-147068CCE46E}" type="datetimeFigureOut">
               <a:rPr lang="es-MX" smtClean="0"/>
-              <a:t>13/11/19</a:t>
+              <a:t>15/11/19</a:t>
             </a:fld>
             <a:endParaRPr lang="es-MX"/>
           </a:p>
@@ -2734,7 +2735,7 @@
           <a:p>
             <a:fld id="{B79BB44D-4C11-4A59-82C7-147068CCE46E}" type="datetimeFigureOut">
               <a:rPr lang="es-MX" smtClean="0"/>
-              <a:t>13/11/19</a:t>
+              <a:t>15/11/19</a:t>
             </a:fld>
             <a:endParaRPr lang="es-MX"/>
           </a:p>
@@ -2977,7 +2978,7 @@
           <a:p>
             <a:fld id="{B79BB44D-4C11-4A59-82C7-147068CCE46E}" type="datetimeFigureOut">
               <a:rPr lang="es-MX" smtClean="0"/>
-              <a:t>13/11/19</a:t>
+              <a:t>15/11/19</a:t>
             </a:fld>
             <a:endParaRPr lang="es-MX"/>
           </a:p>
@@ -3472,6 +3473,97 @@
 <file path=ppt/slides/slide2.xml><?xml version="1.0" encoding="utf-8"?>
 <p:sld xmlns:a="http://schemas.openxmlformats.org/drawingml/2006/main" xmlns:r="http://schemas.openxmlformats.org/officeDocument/2006/relationships" xmlns:p="http://schemas.openxmlformats.org/presentationml/2006/main">
   <p:cSld>
+    <p:spTree>
+      <p:nvGrpSpPr>
+        <p:cNvPr id="1" name=""/>
+        <p:cNvGrpSpPr/>
+        <p:nvPr/>
+      </p:nvGrpSpPr>
+      <p:grpSpPr>
+        <a:xfrm>
+          <a:off x="0" y="0"/>
+          <a:ext cx="0" cy="0"/>
+          <a:chOff x="0" y="0"/>
+          <a:chExt cx="0" cy="0"/>
+        </a:xfrm>
+      </p:grpSpPr>
+      <p:sp>
+        <p:nvSpPr>
+          <p:cNvPr id="2" name="Title 1">
+            <a:extLst>
+              <a:ext uri="{FF2B5EF4-FFF2-40B4-BE49-F238E27FC236}">
+                <a16:creationId xmlns:a16="http://schemas.microsoft.com/office/drawing/2014/main" id="{DDE9D86B-F431-8647-89A2-3485AD07B2DB}"/>
+              </a:ext>
+            </a:extLst>
+          </p:cNvPr>
+          <p:cNvSpPr>
+            <a:spLocks noGrp="1"/>
+          </p:cNvSpPr>
+          <p:nvPr>
+            <p:ph type="title"/>
+          </p:nvPr>
+        </p:nvSpPr>
+        <p:spPr/>
+        <p:txBody>
+          <a:bodyPr/>
+          <a:lstStyle/>
+          <a:p>
+            <a:r>
+              <a:rPr lang="en-US" dirty="0" err="1"/>
+              <a:t>Indice</a:t>
+            </a:r>
+            <a:endParaRPr lang="en-US" dirty="0"/>
+          </a:p>
+        </p:txBody>
+      </p:sp>
+      <p:sp>
+        <p:nvSpPr>
+          <p:cNvPr id="4" name="TextBox 3">
+            <a:extLst>
+              <a:ext uri="{FF2B5EF4-FFF2-40B4-BE49-F238E27FC236}">
+                <a16:creationId xmlns:a16="http://schemas.microsoft.com/office/drawing/2014/main" id="{E501A6D4-0208-8B49-B78C-5903BCB79F43}"/>
+              </a:ext>
+            </a:extLst>
+          </p:cNvPr>
+          <p:cNvSpPr txBox="1"/>
+          <p:nvPr/>
+        </p:nvSpPr>
+        <p:spPr>
+          <a:xfrm>
+            <a:off x="817418" y="2189018"/>
+            <a:ext cx="184731" cy="369332"/>
+          </a:xfrm>
+          <a:prstGeom prst="rect">
+            <a:avLst/>
+          </a:prstGeom>
+          <a:noFill/>
+        </p:spPr>
+        <p:txBody>
+          <a:bodyPr wrap="none" rtlCol="0">
+            <a:spAutoFit/>
+          </a:bodyPr>
+          <a:lstStyle/>
+          <a:p>
+            <a:endParaRPr lang="en-US"/>
+          </a:p>
+        </p:txBody>
+      </p:sp>
+    </p:spTree>
+    <p:extLst>
+      <p:ext uri="{BB962C8B-B14F-4D97-AF65-F5344CB8AC3E}">
+        <p14:creationId xmlns:p14="http://schemas.microsoft.com/office/powerpoint/2010/main" val="437877229"/>
+      </p:ext>
+    </p:extLst>
+  </p:cSld>
+  <p:clrMapOvr>
+    <a:masterClrMapping/>
+  </p:clrMapOvr>
+</p:sld>
+</file>
+
+<file path=ppt/slides/slide3.xml><?xml version="1.0" encoding="utf-8"?>
+<p:sld xmlns:a="http://schemas.openxmlformats.org/drawingml/2006/main" xmlns:r="http://schemas.openxmlformats.org/officeDocument/2006/relationships" xmlns:p="http://schemas.openxmlformats.org/presentationml/2006/main">
+  <p:cSld>
     <p:bg>
       <p:bgPr>
         <a:solidFill>
@@ -3986,7 +4078,7 @@
 </p:sld>
 </file>
 
-<file path=ppt/slides/slide3.xml><?xml version="1.0" encoding="utf-8"?>
+<file path=ppt/slides/slide4.xml><?xml version="1.0" encoding="utf-8"?>
 <p:sld xmlns:a="http://schemas.openxmlformats.org/drawingml/2006/main" xmlns:r="http://schemas.openxmlformats.org/officeDocument/2006/relationships" xmlns:p="http://schemas.openxmlformats.org/presentationml/2006/main">
   <p:cSld>
     <p:spTree>
